--- a/Gambler.pptx
+++ b/Gambler.pptx
@@ -6784,7 +6784,7 @@
             <a:fld id="{B61BEF0D-F0BB-DE4B-95CE-6DB70DBA9567}" type="datetimeFigureOut">
               <a:rPr lang="en-US" dirty="0"/>
               <a:pPr/>
-              <a:t>7/21/24</a:t>
+              <a:t>7/24/24</a:t>
             </a:fld>
             <a:endParaRPr lang="en-US" dirty="0"/>
           </a:p>
@@ -7032,7 +7032,7 @@
             <a:fld id="{B61BEF0D-F0BB-DE4B-95CE-6DB70DBA9567}" type="datetimeFigureOut">
               <a:rPr lang="en-US" dirty="0"/>
               <a:pPr/>
-              <a:t>7/21/24</a:t>
+              <a:t>7/24/24</a:t>
             </a:fld>
             <a:endParaRPr lang="en-US" dirty="0"/>
           </a:p>
@@ -7343,7 +7343,7 @@
             <a:fld id="{B61BEF0D-F0BB-DE4B-95CE-6DB70DBA9567}" type="datetimeFigureOut">
               <a:rPr lang="en-US" dirty="0"/>
               <a:pPr/>
-              <a:t>7/21/24</a:t>
+              <a:t>7/24/24</a:t>
             </a:fld>
             <a:endParaRPr lang="en-US" dirty="0"/>
           </a:p>
@@ -7681,7 +7681,7 @@
             <a:fld id="{B61BEF0D-F0BB-DE4B-95CE-6DB70DBA9567}" type="datetimeFigureOut">
               <a:rPr lang="en-US" dirty="0"/>
               <a:pPr/>
-              <a:t>7/21/24</a:t>
+              <a:t>7/24/24</a:t>
             </a:fld>
             <a:endParaRPr lang="en-US" dirty="0"/>
           </a:p>
@@ -7992,7 +7992,7 @@
             <a:fld id="{B61BEF0D-F0BB-DE4B-95CE-6DB70DBA9567}" type="datetimeFigureOut">
               <a:rPr lang="en-US" dirty="0"/>
               <a:pPr/>
-              <a:t>7/21/24</a:t>
+              <a:t>7/24/24</a:t>
             </a:fld>
             <a:endParaRPr lang="en-US" dirty="0"/>
           </a:p>
@@ -8382,7 +8382,7 @@
             <a:fld id="{B61BEF0D-F0BB-DE4B-95CE-6DB70DBA9567}" type="datetimeFigureOut">
               <a:rPr lang="en-US" dirty="0"/>
               <a:pPr/>
-              <a:t>7/21/24</a:t>
+              <a:t>7/24/24</a:t>
             </a:fld>
             <a:endParaRPr lang="en-US" dirty="0"/>
           </a:p>
@@ -8548,7 +8548,7 @@
           <a:p>
             <a:fld id="{55C6B4A9-1611-4792-9094-5F34BCA07E0B}" type="datetimeFigureOut">
               <a:rPr lang="en-US" dirty="0"/>
-              <a:t>7/21/24</a:t>
+              <a:t>7/24/24</a:t>
             </a:fld>
             <a:endParaRPr lang="en-US" dirty="0"/>
           </a:p>
@@ -8724,7 +8724,7 @@
             <a:fld id="{B61BEF0D-F0BB-DE4B-95CE-6DB70DBA9567}" type="datetimeFigureOut">
               <a:rPr lang="en-US" dirty="0"/>
               <a:pPr/>
-              <a:t>7/21/24</a:t>
+              <a:t>7/24/24</a:t>
             </a:fld>
             <a:endParaRPr lang="en-US" dirty="0"/>
           </a:p>
@@ -8897,7 +8897,7 @@
             <a:fld id="{B61BEF0D-F0BB-DE4B-95CE-6DB70DBA9567}" type="datetimeFigureOut">
               <a:rPr lang="en-US" dirty="0"/>
               <a:pPr/>
-              <a:t>7/21/24</a:t>
+              <a:t>7/24/24</a:t>
             </a:fld>
             <a:endParaRPr lang="en-US" dirty="0"/>
           </a:p>
@@ -9141,7 +9141,7 @@
             <a:fld id="{B61BEF0D-F0BB-DE4B-95CE-6DB70DBA9567}" type="datetimeFigureOut">
               <a:rPr lang="en-US" dirty="0"/>
               <a:pPr/>
-              <a:t>7/21/24</a:t>
+              <a:t>7/24/24</a:t>
             </a:fld>
             <a:endParaRPr lang="en-US" dirty="0"/>
           </a:p>
@@ -9369,7 +9369,7 @@
           <a:p>
             <a:fld id="{EB712588-04B1-427B-82EE-E8DB90309F08}" type="datetimeFigureOut">
               <a:rPr lang="en-US" dirty="0"/>
-              <a:t>7/21/24</a:t>
+              <a:t>7/24/24</a:t>
             </a:fld>
             <a:endParaRPr lang="en-US" dirty="0"/>
           </a:p>
@@ -9739,7 +9739,7 @@
             <a:fld id="{B61BEF0D-F0BB-DE4B-95CE-6DB70DBA9567}" type="datetimeFigureOut">
               <a:rPr lang="en-US" dirty="0"/>
               <a:pPr/>
-              <a:t>7/21/24</a:t>
+              <a:t>7/24/24</a:t>
             </a:fld>
             <a:endParaRPr lang="en-US" dirty="0"/>
           </a:p>
@@ -9859,7 +9859,7 @@
             <a:fld id="{B61BEF0D-F0BB-DE4B-95CE-6DB70DBA9567}" type="datetimeFigureOut">
               <a:rPr lang="en-US" dirty="0"/>
               <a:pPr/>
-              <a:t>7/21/24</a:t>
+              <a:t>7/24/24</a:t>
             </a:fld>
             <a:endParaRPr lang="en-US" dirty="0"/>
           </a:p>
@@ -9951,7 +9951,7 @@
             <a:fld id="{B61BEF0D-F0BB-DE4B-95CE-6DB70DBA9567}" type="datetimeFigureOut">
               <a:rPr lang="en-US" dirty="0"/>
               <a:pPr/>
-              <a:t>7/21/24</a:t>
+              <a:t>7/24/24</a:t>
             </a:fld>
             <a:endParaRPr lang="en-US" dirty="0"/>
           </a:p>
@@ -10202,7 +10202,7 @@
           <a:p>
             <a:fld id="{42A54C80-263E-416B-A8E0-580EDEADCBDC}" type="datetimeFigureOut">
               <a:rPr lang="en-US" dirty="0"/>
-              <a:t>7/21/24</a:t>
+              <a:t>7/24/24</a:t>
             </a:fld>
             <a:endParaRPr lang="en-US" dirty="0"/>
           </a:p>
@@ -10461,7 +10461,7 @@
             <a:fld id="{B61BEF0D-F0BB-DE4B-95CE-6DB70DBA9567}" type="datetimeFigureOut">
               <a:rPr lang="en-US" dirty="0"/>
               <a:pPr/>
-              <a:t>7/21/24</a:t>
+              <a:t>7/24/24</a:t>
             </a:fld>
             <a:endParaRPr lang="en-US" dirty="0"/>
           </a:p>
@@ -11201,7 +11201,7 @@
             <a:fld id="{B61BEF0D-F0BB-DE4B-95CE-6DB70DBA9567}" type="datetimeFigureOut">
               <a:rPr lang="en-US" dirty="0"/>
               <a:pPr/>
-              <a:t>7/21/24</a:t>
+              <a:t>7/24/24</a:t>
             </a:fld>
             <a:endParaRPr lang="en-US" dirty="0"/>
           </a:p>
@@ -15754,13 +15754,13 @@
           </a:prstGeom>
         </p:spPr>
         <p:style>
-          <a:lnRef idx="1">
+          <a:lnRef idx="3">
             <a:schemeClr val="accent1"/>
           </a:lnRef>
           <a:fillRef idx="0">
             <a:schemeClr val="accent1"/>
           </a:fillRef>
-          <a:effectRef idx="0">
+          <a:effectRef idx="2">
             <a:schemeClr val="accent1"/>
           </a:effectRef>
           <a:fontRef idx="minor">
@@ -15798,13 +15798,13 @@
           </a:prstGeom>
         </p:spPr>
         <p:style>
-          <a:lnRef idx="1">
+          <a:lnRef idx="3">
             <a:schemeClr val="accent1"/>
           </a:lnRef>
           <a:fillRef idx="0">
             <a:schemeClr val="accent1"/>
           </a:fillRef>
-          <a:effectRef idx="0">
+          <a:effectRef idx="2">
             <a:schemeClr val="accent1"/>
           </a:effectRef>
           <a:fontRef idx="minor">
@@ -15842,13 +15842,13 @@
           </a:prstGeom>
         </p:spPr>
         <p:style>
-          <a:lnRef idx="1">
+          <a:lnRef idx="3">
             <a:schemeClr val="accent1"/>
           </a:lnRef>
           <a:fillRef idx="0">
             <a:schemeClr val="accent1"/>
           </a:fillRef>
-          <a:effectRef idx="0">
+          <a:effectRef idx="2">
             <a:schemeClr val="accent1"/>
           </a:effectRef>
           <a:fontRef idx="minor">
@@ -17310,13 +17310,13 @@
           </a:prstGeom>
         </p:spPr>
         <p:style>
-          <a:lnRef idx="1">
+          <a:lnRef idx="3">
             <a:schemeClr val="accent1"/>
           </a:lnRef>
           <a:fillRef idx="0">
             <a:schemeClr val="accent1"/>
           </a:fillRef>
-          <a:effectRef idx="0">
+          <a:effectRef idx="2">
             <a:schemeClr val="accent1"/>
           </a:effectRef>
           <a:fontRef idx="minor">
@@ -17354,13 +17354,13 @@
           </a:prstGeom>
         </p:spPr>
         <p:style>
-          <a:lnRef idx="1">
+          <a:lnRef idx="3">
             <a:schemeClr val="accent1"/>
           </a:lnRef>
           <a:fillRef idx="0">
             <a:schemeClr val="accent1"/>
           </a:fillRef>
-          <a:effectRef idx="0">
+          <a:effectRef idx="2">
             <a:schemeClr val="accent1"/>
           </a:effectRef>
           <a:fontRef idx="minor">
@@ -17398,13 +17398,13 @@
           </a:prstGeom>
         </p:spPr>
         <p:style>
-          <a:lnRef idx="1">
+          <a:lnRef idx="3">
             <a:schemeClr val="accent1"/>
           </a:lnRef>
           <a:fillRef idx="0">
             <a:schemeClr val="accent1"/>
           </a:fillRef>
-          <a:effectRef idx="0">
+          <a:effectRef idx="2">
             <a:schemeClr val="accent1"/>
           </a:effectRef>
           <a:fontRef idx="minor">
@@ -18123,7 +18123,7 @@
         </p:nvSpPr>
         <p:spPr>
           <a:xfrm>
-            <a:off x="677332" y="1968454"/>
+            <a:off x="677332" y="2006485"/>
             <a:ext cx="4298336" cy="480219"/>
           </a:xfrm>
           <a:prstGeom prst="rect">
@@ -18362,9 +18362,12 @@
             </a:lvl9pPr>
           </a:lstStyle>
           <a:p>
+            <a:pPr marL="0" indent="0">
+              <a:buNone/>
+            </a:pPr>
             <a:r>
               <a:rPr lang="it-IT" dirty="0"/>
-              <a:t>Policy iteration</a:t>
+              <a:t>			Policy iteration</a:t>
             </a:r>
           </a:p>
           <a:p>
@@ -18388,7 +18391,7 @@
         </p:nvSpPr>
         <p:spPr>
           <a:xfrm>
-            <a:off x="5671300" y="2005054"/>
+            <a:off x="5671300" y="2006485"/>
             <a:ext cx="4298336" cy="457642"/>
           </a:xfrm>
           <a:prstGeom prst="rect">
@@ -18627,9 +18630,12 @@
             </a:lvl9pPr>
           </a:lstStyle>
           <a:p>
+            <a:pPr marL="0" indent="0">
+              <a:buNone/>
+            </a:pPr>
             <a:r>
               <a:rPr lang="it-IT" dirty="0"/>
-              <a:t>Value iteration</a:t>
+              <a:t>			Value iteration</a:t>
             </a:r>
           </a:p>
           <a:p>
@@ -19120,8 +19126,12 @@
           <a:lstStyle/>
           <a:p>
             <a:r>
+              <a:rPr lang="it-IT" sz="4000" dirty="0"/>
+              <a:t>Modello</a:t>
+            </a:r>
+            <a:r>
               <a:rPr lang="it-IT" dirty="0"/>
-              <a:t>Modello </a:t>
+              <a:t> </a:t>
             </a:r>
           </a:p>
         </p:txBody>

--- a/Gambler.pptx
+++ b/Gambler.pptx
@@ -1649,10 +1649,10 @@
             <a:defRPr b="1"/>
           </a:pPr>
           <a:r>
-            <a:rPr lang="it-IT"/>
-            <a:t>Ad ogni passo il reward è:</a:t>
+            <a:rPr lang="it-IT" dirty="0"/>
+            <a:t>Ad ogni episodio il reward è:</a:t>
           </a:r>
-          <a:endParaRPr lang="en-US"/>
+          <a:endParaRPr lang="en-US" dirty="0"/>
         </a:p>
       </dgm:t>
     </dgm:pt>
@@ -1691,10 +1691,10 @@
             </a:lnSpc>
           </a:pPr>
           <a:r>
-            <a:rPr lang="it-IT"/>
-            <a:t>1, se esce testa</a:t>
+            <a:rPr lang="it-IT" dirty="0"/>
+            <a:t>1, se esce vinci</a:t>
           </a:r>
-          <a:endParaRPr lang="en-US"/>
+          <a:endParaRPr lang="en-US" dirty="0"/>
         </a:p>
       </dgm:t>
     </dgm:pt>
@@ -1733,10 +1733,10 @@
             </a:lnSpc>
           </a:pPr>
           <a:r>
-            <a:rPr lang="it-IT"/>
-            <a:t>-1, se esce croce</a:t>
+            <a:rPr lang="it-IT" dirty="0"/>
+            <a:t>-1, se esce perdi</a:t>
           </a:r>
-          <a:endParaRPr lang="en-US"/>
+          <a:endParaRPr lang="en-US" dirty="0"/>
         </a:p>
       </dgm:t>
     </dgm:pt>
@@ -1932,7 +1932,7 @@
       <dgm:spPr/>
     </dgm:pt>
     <dgm:pt modelId="{58C546AE-0A15-48F0-A9C8-1E411E49CDBE}" type="pres">
-      <dgm:prSet presAssocID="{42809B84-28CC-4DF2-B467-E7E936A2FFBB}" presName="parTx" presStyleLbl="revTx" presStyleIdx="0" presStyleCnt="4">
+      <dgm:prSet presAssocID="{42809B84-28CC-4DF2-B467-E7E936A2FFBB}" presName="parTx" presStyleLbl="revTx" presStyleIdx="0" presStyleCnt="4" custLinFactNeighborX="6213">
         <dgm:presLayoutVars>
           <dgm:chMax val="0"/>
           <dgm:chPref val="0"/>
@@ -2370,7 +2370,7 @@
       </dsp:nvSpPr>
       <dsp:spPr>
         <a:xfrm>
-          <a:off x="4068" y="1991379"/>
+          <a:off x="249404" y="1991379"/>
           <a:ext cx="3948750" cy="592312"/>
         </a:xfrm>
         <a:prstGeom prst="rect">
@@ -2414,14 +2414,14 @@
             <a:defRPr b="1"/>
           </a:pPr>
           <a:r>
-            <a:rPr lang="it-IT" sz="2000" kern="1200"/>
-            <a:t>Ad ogni passo il reward è:</a:t>
+            <a:rPr lang="it-IT" sz="2000" kern="1200" dirty="0"/>
+            <a:t>Ad ogni episodio il reward è:</a:t>
           </a:r>
-          <a:endParaRPr lang="en-US" sz="2000" kern="1200"/>
+          <a:endParaRPr lang="en-US" sz="2000" kern="1200" dirty="0"/>
         </a:p>
       </dsp:txBody>
       <dsp:txXfrm>
-        <a:off x="4068" y="1991379"/>
+        <a:off x="249404" y="1991379"/>
         <a:ext cx="3948750" cy="592312"/>
       </dsp:txXfrm>
     </dsp:sp>
@@ -2475,10 +2475,10 @@
             <a:buNone/>
           </a:pPr>
           <a:r>
-            <a:rPr lang="it-IT" sz="1500" kern="1200"/>
-            <a:t>1, se esce testa</a:t>
+            <a:rPr lang="it-IT" sz="1500" kern="1200" dirty="0"/>
+            <a:t>1, se esce vinci</a:t>
           </a:r>
-          <a:endParaRPr lang="en-US" sz="1500" kern="1200"/>
+          <a:endParaRPr lang="en-US" sz="1500" kern="1200" dirty="0"/>
         </a:p>
         <a:p>
           <a:pPr marL="0" lvl="0" indent="0" algn="ctr" defTabSz="666750">
@@ -2494,10 +2494,10 @@
             <a:buNone/>
           </a:pPr>
           <a:r>
-            <a:rPr lang="it-IT" sz="1500" kern="1200"/>
-            <a:t>-1, se esce croce</a:t>
+            <a:rPr lang="it-IT" sz="1500" kern="1200" dirty="0"/>
+            <a:t>-1, se esce perdi</a:t>
           </a:r>
-          <a:endParaRPr lang="en-US" sz="1500" kern="1200"/>
+          <a:endParaRPr lang="en-US" sz="1500" kern="1200" dirty="0"/>
         </a:p>
       </dsp:txBody>
       <dsp:txXfrm>
@@ -6784,7 +6784,7 @@
             <a:fld id="{B61BEF0D-F0BB-DE4B-95CE-6DB70DBA9567}" type="datetimeFigureOut">
               <a:rPr lang="en-US" dirty="0"/>
               <a:pPr/>
-              <a:t>7/24/24</a:t>
+              <a:t>7/25/24</a:t>
             </a:fld>
             <a:endParaRPr lang="en-US" dirty="0"/>
           </a:p>
@@ -7032,7 +7032,7 @@
             <a:fld id="{B61BEF0D-F0BB-DE4B-95CE-6DB70DBA9567}" type="datetimeFigureOut">
               <a:rPr lang="en-US" dirty="0"/>
               <a:pPr/>
-              <a:t>7/24/24</a:t>
+              <a:t>7/25/24</a:t>
             </a:fld>
             <a:endParaRPr lang="en-US" dirty="0"/>
           </a:p>
@@ -7343,7 +7343,7 @@
             <a:fld id="{B61BEF0D-F0BB-DE4B-95CE-6DB70DBA9567}" type="datetimeFigureOut">
               <a:rPr lang="en-US" dirty="0"/>
               <a:pPr/>
-              <a:t>7/24/24</a:t>
+              <a:t>7/25/24</a:t>
             </a:fld>
             <a:endParaRPr lang="en-US" dirty="0"/>
           </a:p>
@@ -7681,7 +7681,7 @@
             <a:fld id="{B61BEF0D-F0BB-DE4B-95CE-6DB70DBA9567}" type="datetimeFigureOut">
               <a:rPr lang="en-US" dirty="0"/>
               <a:pPr/>
-              <a:t>7/24/24</a:t>
+              <a:t>7/25/24</a:t>
             </a:fld>
             <a:endParaRPr lang="en-US" dirty="0"/>
           </a:p>
@@ -7992,7 +7992,7 @@
             <a:fld id="{B61BEF0D-F0BB-DE4B-95CE-6DB70DBA9567}" type="datetimeFigureOut">
               <a:rPr lang="en-US" dirty="0"/>
               <a:pPr/>
-              <a:t>7/24/24</a:t>
+              <a:t>7/25/24</a:t>
             </a:fld>
             <a:endParaRPr lang="en-US" dirty="0"/>
           </a:p>
@@ -8382,7 +8382,7 @@
             <a:fld id="{B61BEF0D-F0BB-DE4B-95CE-6DB70DBA9567}" type="datetimeFigureOut">
               <a:rPr lang="en-US" dirty="0"/>
               <a:pPr/>
-              <a:t>7/24/24</a:t>
+              <a:t>7/25/24</a:t>
             </a:fld>
             <a:endParaRPr lang="en-US" dirty="0"/>
           </a:p>
@@ -8548,7 +8548,7 @@
           <a:p>
             <a:fld id="{55C6B4A9-1611-4792-9094-5F34BCA07E0B}" type="datetimeFigureOut">
               <a:rPr lang="en-US" dirty="0"/>
-              <a:t>7/24/24</a:t>
+              <a:t>7/25/24</a:t>
             </a:fld>
             <a:endParaRPr lang="en-US" dirty="0"/>
           </a:p>
@@ -8724,7 +8724,7 @@
             <a:fld id="{B61BEF0D-F0BB-DE4B-95CE-6DB70DBA9567}" type="datetimeFigureOut">
               <a:rPr lang="en-US" dirty="0"/>
               <a:pPr/>
-              <a:t>7/24/24</a:t>
+              <a:t>7/25/24</a:t>
             </a:fld>
             <a:endParaRPr lang="en-US" dirty="0"/>
           </a:p>
@@ -8897,7 +8897,7 @@
             <a:fld id="{B61BEF0D-F0BB-DE4B-95CE-6DB70DBA9567}" type="datetimeFigureOut">
               <a:rPr lang="en-US" dirty="0"/>
               <a:pPr/>
-              <a:t>7/24/24</a:t>
+              <a:t>7/25/24</a:t>
             </a:fld>
             <a:endParaRPr lang="en-US" dirty="0"/>
           </a:p>
@@ -9141,7 +9141,7 @@
             <a:fld id="{B61BEF0D-F0BB-DE4B-95CE-6DB70DBA9567}" type="datetimeFigureOut">
               <a:rPr lang="en-US" dirty="0"/>
               <a:pPr/>
-              <a:t>7/24/24</a:t>
+              <a:t>7/25/24</a:t>
             </a:fld>
             <a:endParaRPr lang="en-US" dirty="0"/>
           </a:p>
@@ -9369,7 +9369,7 @@
           <a:p>
             <a:fld id="{EB712588-04B1-427B-82EE-E8DB90309F08}" type="datetimeFigureOut">
               <a:rPr lang="en-US" dirty="0"/>
-              <a:t>7/24/24</a:t>
+              <a:t>7/25/24</a:t>
             </a:fld>
             <a:endParaRPr lang="en-US" dirty="0"/>
           </a:p>
@@ -9739,7 +9739,7 @@
             <a:fld id="{B61BEF0D-F0BB-DE4B-95CE-6DB70DBA9567}" type="datetimeFigureOut">
               <a:rPr lang="en-US" dirty="0"/>
               <a:pPr/>
-              <a:t>7/24/24</a:t>
+              <a:t>7/25/24</a:t>
             </a:fld>
             <a:endParaRPr lang="en-US" dirty="0"/>
           </a:p>
@@ -9859,7 +9859,7 @@
             <a:fld id="{B61BEF0D-F0BB-DE4B-95CE-6DB70DBA9567}" type="datetimeFigureOut">
               <a:rPr lang="en-US" dirty="0"/>
               <a:pPr/>
-              <a:t>7/24/24</a:t>
+              <a:t>7/25/24</a:t>
             </a:fld>
             <a:endParaRPr lang="en-US" dirty="0"/>
           </a:p>
@@ -9951,7 +9951,7 @@
             <a:fld id="{B61BEF0D-F0BB-DE4B-95CE-6DB70DBA9567}" type="datetimeFigureOut">
               <a:rPr lang="en-US" dirty="0"/>
               <a:pPr/>
-              <a:t>7/24/24</a:t>
+              <a:t>7/25/24</a:t>
             </a:fld>
             <a:endParaRPr lang="en-US" dirty="0"/>
           </a:p>
@@ -10202,7 +10202,7 @@
           <a:p>
             <a:fld id="{42A54C80-263E-416B-A8E0-580EDEADCBDC}" type="datetimeFigureOut">
               <a:rPr lang="en-US" dirty="0"/>
-              <a:t>7/24/24</a:t>
+              <a:t>7/25/24</a:t>
             </a:fld>
             <a:endParaRPr lang="en-US" dirty="0"/>
           </a:p>
@@ -10461,7 +10461,7 @@
             <a:fld id="{B61BEF0D-F0BB-DE4B-95CE-6DB70DBA9567}" type="datetimeFigureOut">
               <a:rPr lang="en-US" dirty="0"/>
               <a:pPr/>
-              <a:t>7/24/24</a:t>
+              <a:t>7/25/24</a:t>
             </a:fld>
             <a:endParaRPr lang="en-US" dirty="0"/>
           </a:p>
@@ -11201,7 +11201,7 @@
             <a:fld id="{B61BEF0D-F0BB-DE4B-95CE-6DB70DBA9567}" type="datetimeFigureOut">
               <a:rPr lang="en-US" dirty="0"/>
               <a:pPr/>
-              <a:t>7/24/24</a:t>
+              <a:t>7/25/24</a:t>
             </a:fld>
             <a:endParaRPr lang="en-US" dirty="0"/>
           </a:p>
@@ -15691,7 +15691,12 @@
             <p:ph type="title"/>
           </p:nvPr>
         </p:nvSpPr>
-        <p:spPr/>
+        <p:spPr>
+          <a:xfrm>
+            <a:off x="677334" y="609600"/>
+            <a:ext cx="8596668" cy="878680"/>
+          </a:xfrm>
+        </p:spPr>
         <p:txBody>
           <a:bodyPr/>
           <a:lstStyle/>
@@ -18105,6 +18110,13 @@
             <a:off x="677332" y="2670656"/>
             <a:ext cx="4789709" cy="3865650"/>
           </a:xfrm>
+          <a:effectLst>
+            <a:outerShdw blurRad="50800" dist="50800" dir="5400000" sx="102000" sy="102000" algn="ctr" rotWithShape="0">
+              <a:srgbClr val="000000">
+                <a:alpha val="43137"/>
+              </a:srgbClr>
+            </a:outerShdw>
+          </a:effectLst>
         </p:spPr>
       </p:pic>
       <p:sp>
@@ -18670,6 +18682,13 @@
           <a:prstGeom prst="rect">
             <a:avLst/>
           </a:prstGeom>
+          <a:effectLst>
+            <a:outerShdw blurRad="50800" dist="50800" dir="5400000" sx="102000" sy="102000" algn="ctr" rotWithShape="0">
+              <a:srgbClr val="000000">
+                <a:alpha val="43137"/>
+              </a:srgbClr>
+            </a:outerShdw>
+          </a:effectLst>
         </p:spPr>
       </p:pic>
       <p:sp>
@@ -19170,7 +19189,7 @@
           <a:p>
             <a:r>
               <a:rPr lang="it-IT" dirty="0"/>
-              <a:t>L’azione è rappresentata dal valore della scommessa</a:t>
+              <a:t>L’azione è rappresentata dal valore della scommessa ( da 1 a 99)</a:t>
             </a:r>
           </a:p>
         </p:txBody>
@@ -19611,12 +19630,8 @@
           <a:lstStyle/>
           <a:p>
             <a:r>
-              <a:rPr lang="it-IT" dirty="0" err="1"/>
-              <a:t>Reward</a:t>
-            </a:r>
-            <a:r>
               <a:rPr lang="it-IT" dirty="0"/>
-              <a:t> e stati terminali</a:t>
+              <a:t>Reward e stati terminali</a:t>
             </a:r>
           </a:p>
         </p:txBody>
@@ -19637,7 +19652,7 @@
             <p:ph idx="1"/>
             <p:extLst>
               <p:ext uri="{D42A27DB-BD31-4B8C-83A1-F6EECF244321}">
-                <p14:modId xmlns:p14="http://schemas.microsoft.com/office/powerpoint/2010/main" val="3898344803"/>
+                <p14:modId xmlns:p14="http://schemas.microsoft.com/office/powerpoint/2010/main" val="4099206349"/>
               </p:ext>
             </p:extLst>
           </p:nvPr>
@@ -19710,13 +19725,8 @@
           <a:p>
             <a:r>
               <a:rPr lang="it-IT" dirty="0"/>
-              <a:t>Modello - matrice dei </a:t>
+              <a:t>Modello - matrice dei reward</a:t>
             </a:r>
-            <a:r>
-              <a:rPr lang="it-IT" dirty="0" err="1"/>
-              <a:t>reward</a:t>
-            </a:r>
-            <a:endParaRPr lang="it-IT" dirty="0"/>
           </a:p>
         </p:txBody>
       </p:sp>
@@ -19744,7 +19754,7 @@
         </p:blipFill>
         <p:spPr>
           <a:xfrm>
-            <a:off x="2638632" y="2345829"/>
+            <a:off x="3251949" y="2189715"/>
             <a:ext cx="4687609" cy="4475740"/>
           </a:xfrm>
         </p:spPr>
@@ -20006,7 +20016,619 @@
           <a:p>
             <a:r>
               <a:rPr lang="it-IT" dirty="0"/>
-              <a:t>La ricompensa è ottenuta solo se ci troviamo in uno stato terminale (vittoria o sconfitta); tutti gli altri stati intermedi hanno guadagno 0</a:t>
+              <a:t>Il guadagno è ottenuta solo se ci troviamo in uno stato terminale (vittoria o sconfitta); tutti gli altri stati intermedi hanno guadagno 0</a:t>
+            </a:r>
+          </a:p>
+        </p:txBody>
+      </p:sp>
+      <p:sp>
+        <p:nvSpPr>
+          <p:cNvPr id="3" name="Parentesi graffa aperta 2">
+            <a:extLst>
+              <a:ext uri="{FF2B5EF4-FFF2-40B4-BE49-F238E27FC236}">
+                <a16:creationId xmlns:a16="http://schemas.microsoft.com/office/drawing/2014/main" id="{B36BCC0F-B42F-1BCB-F30D-D01E9103F7C9}"/>
+              </a:ext>
+            </a:extLst>
+          </p:cNvPr>
+          <p:cNvSpPr/>
+          <p:nvPr/>
+        </p:nvSpPr>
+        <p:spPr>
+          <a:xfrm>
+            <a:off x="2977373" y="2884955"/>
+            <a:ext cx="245327" cy="1460810"/>
+          </a:xfrm>
+          <a:prstGeom prst="leftBrace">
+            <a:avLst/>
+          </a:prstGeom>
+        </p:spPr>
+        <p:style>
+          <a:lnRef idx="3">
+            <a:schemeClr val="accent1"/>
+          </a:lnRef>
+          <a:fillRef idx="0">
+            <a:schemeClr val="accent1"/>
+          </a:fillRef>
+          <a:effectRef idx="2">
+            <a:schemeClr val="accent1"/>
+          </a:effectRef>
+          <a:fontRef idx="minor">
+            <a:schemeClr val="tx1"/>
+          </a:fontRef>
+        </p:style>
+        <p:txBody>
+          <a:bodyPr rtlCol="0" anchor="ctr"/>
+          <a:lstStyle/>
+          <a:p>
+            <a:pPr algn="ctr"/>
+            <a:endParaRPr lang="it-IT"/>
+          </a:p>
+        </p:txBody>
+      </p:sp>
+      <p:sp>
+        <p:nvSpPr>
+          <p:cNvPr id="4" name="Parentesi graffa aperta 3">
+            <a:extLst>
+              <a:ext uri="{FF2B5EF4-FFF2-40B4-BE49-F238E27FC236}">
+                <a16:creationId xmlns:a16="http://schemas.microsoft.com/office/drawing/2014/main" id="{66C40D61-76F9-11AB-28D1-4B0749233865}"/>
+              </a:ext>
+            </a:extLst>
+          </p:cNvPr>
+          <p:cNvSpPr/>
+          <p:nvPr/>
+        </p:nvSpPr>
+        <p:spPr>
+          <a:xfrm>
+            <a:off x="2977374" y="4958575"/>
+            <a:ext cx="245327" cy="1706879"/>
+          </a:xfrm>
+          <a:prstGeom prst="leftBrace">
+            <a:avLst/>
+          </a:prstGeom>
+        </p:spPr>
+        <p:style>
+          <a:lnRef idx="3">
+            <a:schemeClr val="accent1"/>
+          </a:lnRef>
+          <a:fillRef idx="0">
+            <a:schemeClr val="accent1"/>
+          </a:fillRef>
+          <a:effectRef idx="2">
+            <a:schemeClr val="accent1"/>
+          </a:effectRef>
+          <a:fontRef idx="minor">
+            <a:schemeClr val="tx1"/>
+          </a:fontRef>
+        </p:style>
+        <p:txBody>
+          <a:bodyPr rtlCol="0" anchor="ctr"/>
+          <a:lstStyle/>
+          <a:p>
+            <a:pPr algn="ctr"/>
+            <a:endParaRPr lang="it-IT"/>
+          </a:p>
+        </p:txBody>
+      </p:sp>
+      <p:sp>
+        <p:nvSpPr>
+          <p:cNvPr id="7" name="Segnaposto contenuto 2">
+            <a:extLst>
+              <a:ext uri="{FF2B5EF4-FFF2-40B4-BE49-F238E27FC236}">
+                <a16:creationId xmlns:a16="http://schemas.microsoft.com/office/drawing/2014/main" id="{37712C09-2463-4D59-1368-600505069195}"/>
+              </a:ext>
+            </a:extLst>
+          </p:cNvPr>
+          <p:cNvSpPr txBox="1">
+            <a:spLocks/>
+          </p:cNvSpPr>
+          <p:nvPr/>
+        </p:nvSpPr>
+        <p:spPr>
+          <a:xfrm>
+            <a:off x="677334" y="3408925"/>
+            <a:ext cx="2300039" cy="593687"/>
+          </a:xfrm>
+          <a:prstGeom prst="rect">
+            <a:avLst/>
+          </a:prstGeom>
+        </p:spPr>
+        <p:txBody>
+          <a:bodyPr vert="horz" lIns="91440" tIns="45720" rIns="91440" bIns="45720" rtlCol="0">
+            <a:normAutofit/>
+          </a:bodyPr>
+          <a:lstStyle>
+            <a:lvl1pPr marL="342900" indent="-342900" algn="l" defTabSz="457200" rtl="0" eaLnBrk="1" latinLnBrk="0" hangingPunct="1">
+              <a:spcBef>
+                <a:spcPts val="1000"/>
+              </a:spcBef>
+              <a:spcAft>
+                <a:spcPts val="0"/>
+              </a:spcAft>
+              <a:buClr>
+                <a:schemeClr val="accent1"/>
+              </a:buClr>
+              <a:buSzPct val="80000"/>
+              <a:buFont typeface="Wingdings 3" charset="2"/>
+              <a:buChar char=""/>
+              <a:defRPr sz="1800" kern="1200">
+                <a:solidFill>
+                  <a:schemeClr val="tx1">
+                    <a:lumMod val="75000"/>
+                    <a:lumOff val="25000"/>
+                  </a:schemeClr>
+                </a:solidFill>
+                <a:latin typeface="+mn-lt"/>
+                <a:ea typeface="+mn-ea"/>
+                <a:cs typeface="+mn-cs"/>
+              </a:defRPr>
+            </a:lvl1pPr>
+            <a:lvl2pPr marL="742950" indent="-285750" algn="l" defTabSz="457200" rtl="0" eaLnBrk="1" latinLnBrk="0" hangingPunct="1">
+              <a:spcBef>
+                <a:spcPts val="1000"/>
+              </a:spcBef>
+              <a:spcAft>
+                <a:spcPts val="0"/>
+              </a:spcAft>
+              <a:buClr>
+                <a:schemeClr val="accent1"/>
+              </a:buClr>
+              <a:buSzPct val="80000"/>
+              <a:buFont typeface="Wingdings 3" charset="2"/>
+              <a:buChar char=""/>
+              <a:defRPr sz="1600" kern="1200">
+                <a:solidFill>
+                  <a:schemeClr val="tx1">
+                    <a:lumMod val="75000"/>
+                    <a:lumOff val="25000"/>
+                  </a:schemeClr>
+                </a:solidFill>
+                <a:latin typeface="+mn-lt"/>
+                <a:ea typeface="+mn-ea"/>
+                <a:cs typeface="+mn-cs"/>
+              </a:defRPr>
+            </a:lvl2pPr>
+            <a:lvl3pPr marL="1143000" indent="-228600" algn="l" defTabSz="457200" rtl="0" eaLnBrk="1" latinLnBrk="0" hangingPunct="1">
+              <a:spcBef>
+                <a:spcPts val="1000"/>
+              </a:spcBef>
+              <a:spcAft>
+                <a:spcPts val="0"/>
+              </a:spcAft>
+              <a:buClr>
+                <a:schemeClr val="accent1"/>
+              </a:buClr>
+              <a:buSzPct val="80000"/>
+              <a:buFont typeface="Wingdings 3" charset="2"/>
+              <a:buChar char=""/>
+              <a:defRPr sz="1400" kern="1200">
+                <a:solidFill>
+                  <a:schemeClr val="tx1">
+                    <a:lumMod val="75000"/>
+                    <a:lumOff val="25000"/>
+                  </a:schemeClr>
+                </a:solidFill>
+                <a:latin typeface="+mn-lt"/>
+                <a:ea typeface="+mn-ea"/>
+                <a:cs typeface="+mn-cs"/>
+              </a:defRPr>
+            </a:lvl3pPr>
+            <a:lvl4pPr marL="1600200" indent="-228600" algn="l" defTabSz="457200" rtl="0" eaLnBrk="1" latinLnBrk="0" hangingPunct="1">
+              <a:spcBef>
+                <a:spcPts val="1000"/>
+              </a:spcBef>
+              <a:spcAft>
+                <a:spcPts val="0"/>
+              </a:spcAft>
+              <a:buClr>
+                <a:schemeClr val="accent1"/>
+              </a:buClr>
+              <a:buSzPct val="80000"/>
+              <a:buFont typeface="Wingdings 3" charset="2"/>
+              <a:buChar char=""/>
+              <a:defRPr sz="1200" kern="1200">
+                <a:solidFill>
+                  <a:schemeClr val="tx1">
+                    <a:lumMod val="75000"/>
+                    <a:lumOff val="25000"/>
+                  </a:schemeClr>
+                </a:solidFill>
+                <a:latin typeface="+mn-lt"/>
+                <a:ea typeface="+mn-ea"/>
+                <a:cs typeface="+mn-cs"/>
+              </a:defRPr>
+            </a:lvl4pPr>
+            <a:lvl5pPr marL="2057400" indent="-228600" algn="l" defTabSz="457200" rtl="0" eaLnBrk="1" latinLnBrk="0" hangingPunct="1">
+              <a:spcBef>
+                <a:spcPts val="1000"/>
+              </a:spcBef>
+              <a:spcAft>
+                <a:spcPts val="0"/>
+              </a:spcAft>
+              <a:buClr>
+                <a:schemeClr val="accent1"/>
+              </a:buClr>
+              <a:buSzPct val="80000"/>
+              <a:buFont typeface="Wingdings 3" charset="2"/>
+              <a:buChar char=""/>
+              <a:defRPr sz="1200" kern="1200">
+                <a:solidFill>
+                  <a:schemeClr val="tx1">
+                    <a:lumMod val="75000"/>
+                    <a:lumOff val="25000"/>
+                  </a:schemeClr>
+                </a:solidFill>
+                <a:latin typeface="+mn-lt"/>
+                <a:ea typeface="+mn-ea"/>
+                <a:cs typeface="+mn-cs"/>
+              </a:defRPr>
+            </a:lvl5pPr>
+            <a:lvl6pPr marL="2514600" indent="-228600" algn="l" defTabSz="457200" rtl="0" eaLnBrk="1" latinLnBrk="0" hangingPunct="1">
+              <a:spcBef>
+                <a:spcPts val="1000"/>
+              </a:spcBef>
+              <a:spcAft>
+                <a:spcPts val="0"/>
+              </a:spcAft>
+              <a:buClr>
+                <a:schemeClr val="accent1"/>
+              </a:buClr>
+              <a:buSzPct val="80000"/>
+              <a:buFont typeface="Wingdings 3" charset="2"/>
+              <a:buChar char=""/>
+              <a:defRPr sz="1200" kern="1200">
+                <a:solidFill>
+                  <a:schemeClr val="tx1">
+                    <a:lumMod val="75000"/>
+                    <a:lumOff val="25000"/>
+                  </a:schemeClr>
+                </a:solidFill>
+                <a:latin typeface="+mn-lt"/>
+                <a:ea typeface="+mn-ea"/>
+                <a:cs typeface="+mn-cs"/>
+              </a:defRPr>
+            </a:lvl6pPr>
+            <a:lvl7pPr marL="2971800" indent="-228600" algn="l" defTabSz="457200" rtl="0" eaLnBrk="1" latinLnBrk="0" hangingPunct="1">
+              <a:spcBef>
+                <a:spcPts val="1000"/>
+              </a:spcBef>
+              <a:spcAft>
+                <a:spcPts val="0"/>
+              </a:spcAft>
+              <a:buClr>
+                <a:schemeClr val="accent1"/>
+              </a:buClr>
+              <a:buSzPct val="80000"/>
+              <a:buFont typeface="Wingdings 3" charset="2"/>
+              <a:buChar char=""/>
+              <a:defRPr sz="1200" kern="1200">
+                <a:solidFill>
+                  <a:schemeClr val="tx1">
+                    <a:lumMod val="75000"/>
+                    <a:lumOff val="25000"/>
+                  </a:schemeClr>
+                </a:solidFill>
+                <a:latin typeface="+mn-lt"/>
+                <a:ea typeface="+mn-ea"/>
+                <a:cs typeface="+mn-cs"/>
+              </a:defRPr>
+            </a:lvl7pPr>
+            <a:lvl8pPr marL="3429000" indent="-228600" algn="l" defTabSz="457200" rtl="0" eaLnBrk="1" latinLnBrk="0" hangingPunct="1">
+              <a:spcBef>
+                <a:spcPts val="1000"/>
+              </a:spcBef>
+              <a:spcAft>
+                <a:spcPts val="0"/>
+              </a:spcAft>
+              <a:buClr>
+                <a:schemeClr val="accent1"/>
+              </a:buClr>
+              <a:buSzPct val="80000"/>
+              <a:buFont typeface="Wingdings 3" charset="2"/>
+              <a:buChar char=""/>
+              <a:defRPr sz="1200" kern="1200">
+                <a:solidFill>
+                  <a:schemeClr val="tx1">
+                    <a:lumMod val="75000"/>
+                    <a:lumOff val="25000"/>
+                  </a:schemeClr>
+                </a:solidFill>
+                <a:latin typeface="+mn-lt"/>
+                <a:ea typeface="+mn-ea"/>
+                <a:cs typeface="+mn-cs"/>
+              </a:defRPr>
+            </a:lvl8pPr>
+            <a:lvl9pPr marL="3886200" indent="-228600" algn="l" defTabSz="457200" rtl="0" eaLnBrk="1" latinLnBrk="0" hangingPunct="1">
+              <a:spcBef>
+                <a:spcPts val="1000"/>
+              </a:spcBef>
+              <a:spcAft>
+                <a:spcPts val="0"/>
+              </a:spcAft>
+              <a:buClr>
+                <a:schemeClr val="accent1"/>
+              </a:buClr>
+              <a:buSzPct val="80000"/>
+              <a:buFont typeface="Wingdings 3" charset="2"/>
+              <a:buChar char=""/>
+              <a:defRPr sz="1200" kern="1200">
+                <a:solidFill>
+                  <a:schemeClr val="tx1">
+                    <a:lumMod val="75000"/>
+                    <a:lumOff val="25000"/>
+                  </a:schemeClr>
+                </a:solidFill>
+                <a:latin typeface="+mn-lt"/>
+                <a:ea typeface="+mn-ea"/>
+                <a:cs typeface="+mn-cs"/>
+              </a:defRPr>
+            </a:lvl9pPr>
+          </a:lstStyle>
+          <a:p>
+            <a:r>
+              <a:rPr lang="it-IT" dirty="0"/>
+              <a:t>Guadagno </a:t>
+            </a:r>
+          </a:p>
+        </p:txBody>
+      </p:sp>
+      <p:sp>
+        <p:nvSpPr>
+          <p:cNvPr id="8" name="Segnaposto contenuto 2">
+            <a:extLst>
+              <a:ext uri="{FF2B5EF4-FFF2-40B4-BE49-F238E27FC236}">
+                <a16:creationId xmlns:a16="http://schemas.microsoft.com/office/drawing/2014/main" id="{EC4275DF-C7AC-CAB8-DEA2-7077165C04AE}"/>
+              </a:ext>
+            </a:extLst>
+          </p:cNvPr>
+          <p:cNvSpPr txBox="1">
+            <a:spLocks/>
+          </p:cNvSpPr>
+          <p:nvPr/>
+        </p:nvSpPr>
+        <p:spPr>
+          <a:xfrm>
+            <a:off x="677334" y="5515170"/>
+            <a:ext cx="2300039" cy="593687"/>
+          </a:xfrm>
+          <a:prstGeom prst="rect">
+            <a:avLst/>
+          </a:prstGeom>
+        </p:spPr>
+        <p:txBody>
+          <a:bodyPr vert="horz" lIns="91440" tIns="45720" rIns="91440" bIns="45720" rtlCol="0">
+            <a:normAutofit/>
+          </a:bodyPr>
+          <a:lstStyle>
+            <a:lvl1pPr marL="342900" indent="-342900" algn="l" defTabSz="457200" rtl="0" eaLnBrk="1" latinLnBrk="0" hangingPunct="1">
+              <a:spcBef>
+                <a:spcPts val="1000"/>
+              </a:spcBef>
+              <a:spcAft>
+                <a:spcPts val="0"/>
+              </a:spcAft>
+              <a:buClr>
+                <a:schemeClr val="accent1"/>
+              </a:buClr>
+              <a:buSzPct val="80000"/>
+              <a:buFont typeface="Wingdings 3" charset="2"/>
+              <a:buChar char=""/>
+              <a:defRPr sz="1800" kern="1200">
+                <a:solidFill>
+                  <a:schemeClr val="tx1">
+                    <a:lumMod val="75000"/>
+                    <a:lumOff val="25000"/>
+                  </a:schemeClr>
+                </a:solidFill>
+                <a:latin typeface="+mn-lt"/>
+                <a:ea typeface="+mn-ea"/>
+                <a:cs typeface="+mn-cs"/>
+              </a:defRPr>
+            </a:lvl1pPr>
+            <a:lvl2pPr marL="742950" indent="-285750" algn="l" defTabSz="457200" rtl="0" eaLnBrk="1" latinLnBrk="0" hangingPunct="1">
+              <a:spcBef>
+                <a:spcPts val="1000"/>
+              </a:spcBef>
+              <a:spcAft>
+                <a:spcPts val="0"/>
+              </a:spcAft>
+              <a:buClr>
+                <a:schemeClr val="accent1"/>
+              </a:buClr>
+              <a:buSzPct val="80000"/>
+              <a:buFont typeface="Wingdings 3" charset="2"/>
+              <a:buChar char=""/>
+              <a:defRPr sz="1600" kern="1200">
+                <a:solidFill>
+                  <a:schemeClr val="tx1">
+                    <a:lumMod val="75000"/>
+                    <a:lumOff val="25000"/>
+                  </a:schemeClr>
+                </a:solidFill>
+                <a:latin typeface="+mn-lt"/>
+                <a:ea typeface="+mn-ea"/>
+                <a:cs typeface="+mn-cs"/>
+              </a:defRPr>
+            </a:lvl2pPr>
+            <a:lvl3pPr marL="1143000" indent="-228600" algn="l" defTabSz="457200" rtl="0" eaLnBrk="1" latinLnBrk="0" hangingPunct="1">
+              <a:spcBef>
+                <a:spcPts val="1000"/>
+              </a:spcBef>
+              <a:spcAft>
+                <a:spcPts val="0"/>
+              </a:spcAft>
+              <a:buClr>
+                <a:schemeClr val="accent1"/>
+              </a:buClr>
+              <a:buSzPct val="80000"/>
+              <a:buFont typeface="Wingdings 3" charset="2"/>
+              <a:buChar char=""/>
+              <a:defRPr sz="1400" kern="1200">
+                <a:solidFill>
+                  <a:schemeClr val="tx1">
+                    <a:lumMod val="75000"/>
+                    <a:lumOff val="25000"/>
+                  </a:schemeClr>
+                </a:solidFill>
+                <a:latin typeface="+mn-lt"/>
+                <a:ea typeface="+mn-ea"/>
+                <a:cs typeface="+mn-cs"/>
+              </a:defRPr>
+            </a:lvl3pPr>
+            <a:lvl4pPr marL="1600200" indent="-228600" algn="l" defTabSz="457200" rtl="0" eaLnBrk="1" latinLnBrk="0" hangingPunct="1">
+              <a:spcBef>
+                <a:spcPts val="1000"/>
+              </a:spcBef>
+              <a:spcAft>
+                <a:spcPts val="0"/>
+              </a:spcAft>
+              <a:buClr>
+                <a:schemeClr val="accent1"/>
+              </a:buClr>
+              <a:buSzPct val="80000"/>
+              <a:buFont typeface="Wingdings 3" charset="2"/>
+              <a:buChar char=""/>
+              <a:defRPr sz="1200" kern="1200">
+                <a:solidFill>
+                  <a:schemeClr val="tx1">
+                    <a:lumMod val="75000"/>
+                    <a:lumOff val="25000"/>
+                  </a:schemeClr>
+                </a:solidFill>
+                <a:latin typeface="+mn-lt"/>
+                <a:ea typeface="+mn-ea"/>
+                <a:cs typeface="+mn-cs"/>
+              </a:defRPr>
+            </a:lvl4pPr>
+            <a:lvl5pPr marL="2057400" indent="-228600" algn="l" defTabSz="457200" rtl="0" eaLnBrk="1" latinLnBrk="0" hangingPunct="1">
+              <a:spcBef>
+                <a:spcPts val="1000"/>
+              </a:spcBef>
+              <a:spcAft>
+                <a:spcPts val="0"/>
+              </a:spcAft>
+              <a:buClr>
+                <a:schemeClr val="accent1"/>
+              </a:buClr>
+              <a:buSzPct val="80000"/>
+              <a:buFont typeface="Wingdings 3" charset="2"/>
+              <a:buChar char=""/>
+              <a:defRPr sz="1200" kern="1200">
+                <a:solidFill>
+                  <a:schemeClr val="tx1">
+                    <a:lumMod val="75000"/>
+                    <a:lumOff val="25000"/>
+                  </a:schemeClr>
+                </a:solidFill>
+                <a:latin typeface="+mn-lt"/>
+                <a:ea typeface="+mn-ea"/>
+                <a:cs typeface="+mn-cs"/>
+              </a:defRPr>
+            </a:lvl5pPr>
+            <a:lvl6pPr marL="2514600" indent="-228600" algn="l" defTabSz="457200" rtl="0" eaLnBrk="1" latinLnBrk="0" hangingPunct="1">
+              <a:spcBef>
+                <a:spcPts val="1000"/>
+              </a:spcBef>
+              <a:spcAft>
+                <a:spcPts val="0"/>
+              </a:spcAft>
+              <a:buClr>
+                <a:schemeClr val="accent1"/>
+              </a:buClr>
+              <a:buSzPct val="80000"/>
+              <a:buFont typeface="Wingdings 3" charset="2"/>
+              <a:buChar char=""/>
+              <a:defRPr sz="1200" kern="1200">
+                <a:solidFill>
+                  <a:schemeClr val="tx1">
+                    <a:lumMod val="75000"/>
+                    <a:lumOff val="25000"/>
+                  </a:schemeClr>
+                </a:solidFill>
+                <a:latin typeface="+mn-lt"/>
+                <a:ea typeface="+mn-ea"/>
+                <a:cs typeface="+mn-cs"/>
+              </a:defRPr>
+            </a:lvl6pPr>
+            <a:lvl7pPr marL="2971800" indent="-228600" algn="l" defTabSz="457200" rtl="0" eaLnBrk="1" latinLnBrk="0" hangingPunct="1">
+              <a:spcBef>
+                <a:spcPts val="1000"/>
+              </a:spcBef>
+              <a:spcAft>
+                <a:spcPts val="0"/>
+              </a:spcAft>
+              <a:buClr>
+                <a:schemeClr val="accent1"/>
+              </a:buClr>
+              <a:buSzPct val="80000"/>
+              <a:buFont typeface="Wingdings 3" charset="2"/>
+              <a:buChar char=""/>
+              <a:defRPr sz="1200" kern="1200">
+                <a:solidFill>
+                  <a:schemeClr val="tx1">
+                    <a:lumMod val="75000"/>
+                    <a:lumOff val="25000"/>
+                  </a:schemeClr>
+                </a:solidFill>
+                <a:latin typeface="+mn-lt"/>
+                <a:ea typeface="+mn-ea"/>
+                <a:cs typeface="+mn-cs"/>
+              </a:defRPr>
+            </a:lvl7pPr>
+            <a:lvl8pPr marL="3429000" indent="-228600" algn="l" defTabSz="457200" rtl="0" eaLnBrk="1" latinLnBrk="0" hangingPunct="1">
+              <a:spcBef>
+                <a:spcPts val="1000"/>
+              </a:spcBef>
+              <a:spcAft>
+                <a:spcPts val="0"/>
+              </a:spcAft>
+              <a:buClr>
+                <a:schemeClr val="accent1"/>
+              </a:buClr>
+              <a:buSzPct val="80000"/>
+              <a:buFont typeface="Wingdings 3" charset="2"/>
+              <a:buChar char=""/>
+              <a:defRPr sz="1200" kern="1200">
+                <a:solidFill>
+                  <a:schemeClr val="tx1">
+                    <a:lumMod val="75000"/>
+                    <a:lumOff val="25000"/>
+                  </a:schemeClr>
+                </a:solidFill>
+                <a:latin typeface="+mn-lt"/>
+                <a:ea typeface="+mn-ea"/>
+                <a:cs typeface="+mn-cs"/>
+              </a:defRPr>
+            </a:lvl8pPr>
+            <a:lvl9pPr marL="3886200" indent="-228600" algn="l" defTabSz="457200" rtl="0" eaLnBrk="1" latinLnBrk="0" hangingPunct="1">
+              <a:spcBef>
+                <a:spcPts val="1000"/>
+              </a:spcBef>
+              <a:spcAft>
+                <a:spcPts val="0"/>
+              </a:spcAft>
+              <a:buClr>
+                <a:schemeClr val="accent1"/>
+              </a:buClr>
+              <a:buSzPct val="80000"/>
+              <a:buFont typeface="Wingdings 3" charset="2"/>
+              <a:buChar char=""/>
+              <a:defRPr sz="1200" kern="1200">
+                <a:solidFill>
+                  <a:schemeClr val="tx1">
+                    <a:lumMod val="75000"/>
+                    <a:lumOff val="25000"/>
+                  </a:schemeClr>
+                </a:solidFill>
+                <a:latin typeface="+mn-lt"/>
+                <a:ea typeface="+mn-ea"/>
+                <a:cs typeface="+mn-cs"/>
+              </a:defRPr>
+            </a:lvl9pPr>
+          </a:lstStyle>
+          <a:p>
+            <a:r>
+              <a:rPr lang="it-IT" dirty="0"/>
+              <a:t>Valore atteso</a:t>
             </a:r>
           </a:p>
         </p:txBody>
@@ -20186,7 +20808,15 @@
           <a:p>
             <a:r>
               <a:rPr lang="it-IT" dirty="0"/>
-              <a:t>Alla base di entrambi gli algoritmi vi è l’uso del policy iteration e policy </a:t>
+              <a:t>Alla base di entrambi gli algoritmi vi è l’uso del policy </a:t>
+            </a:r>
+            <a:r>
+              <a:rPr lang="it-IT" dirty="0" err="1"/>
+              <a:t>improvement</a:t>
+            </a:r>
+            <a:r>
+              <a:rPr lang="it-IT" dirty="0"/>
+              <a:t> e policy </a:t>
             </a:r>
             <a:r>
               <a:rPr lang="it-IT" dirty="0" err="1"/>
